--- a/info_vis_2025_TeamCoral_terrorism_poster.pptx
+++ b/info_vis_2025_TeamCoral_terrorism_poster.pptx
@@ -2215,7 +2215,7 @@
           </a:ln>
           <a:extLst>
             <a:ext uri="{C572A759-6A51-4108-AA02-DFA0A04FC94B}">
-              <ma14:wrappingTextBoxFlag xmlns="" xmlns:ma14="http://schemas.microsoft.com/office/mac/drawingml/2011/main" xmlns:a14="http://schemas.microsoft.com/office/drawing/2010/main" xmlns:m="http://schemas.openxmlformats.org/officeDocument/2006/math" val="1"/>
+              <ma14:wrappingTextBoxFlag xmlns:m="http://schemas.openxmlformats.org/officeDocument/2006/math" xmlns:a14="http://schemas.microsoft.com/office/drawing/2010/main" xmlns:ma14="http://schemas.microsoft.com/office/mac/drawingml/2011/main" xmlns="" val="1"/>
             </a:ext>
           </a:extLst>
         </p:spPr>
@@ -2254,7 +2254,7 @@
           </a:ln>
           <a:extLst>
             <a:ext uri="{C572A759-6A51-4108-AA02-DFA0A04FC94B}">
-              <ma14:wrappingTextBoxFlag xmlns="" xmlns:ma14="http://schemas.microsoft.com/office/mac/drawingml/2011/main" xmlns:a14="http://schemas.microsoft.com/office/drawing/2010/main" xmlns:m="http://schemas.openxmlformats.org/officeDocument/2006/math" val="1"/>
+              <ma14:wrappingTextBoxFlag xmlns:m="http://schemas.openxmlformats.org/officeDocument/2006/math" xmlns:a14="http://schemas.microsoft.com/office/drawing/2010/main" xmlns:ma14="http://schemas.microsoft.com/office/mac/drawingml/2011/main" xmlns="" val="1"/>
             </a:ext>
           </a:extLst>
         </p:spPr>
@@ -3225,7 +3225,7 @@
           </a:ln>
           <a:extLst>
             <a:ext uri="{C572A759-6A51-4108-AA02-DFA0A04FC94B}">
-              <ma14:wrappingTextBoxFlag xmlns="" xmlns:ma14="http://schemas.microsoft.com/office/mac/drawingml/2011/main" xmlns:a14="http://schemas.microsoft.com/office/drawing/2010/main" xmlns:m="http://schemas.openxmlformats.org/officeDocument/2006/math" val="1"/>
+              <ma14:wrappingTextBoxFlag xmlns:m="http://schemas.openxmlformats.org/officeDocument/2006/math" xmlns:a14="http://schemas.microsoft.com/office/drawing/2010/main" xmlns:ma14="http://schemas.microsoft.com/office/mac/drawingml/2011/main" xmlns="" val="1"/>
             </a:ext>
           </a:extLst>
         </p:spPr>
@@ -3494,7 +3494,7 @@
           </a:ln>
           <a:extLst>
             <a:ext uri="{C572A759-6A51-4108-AA02-DFA0A04FC94B}">
-              <ma14:wrappingTextBoxFlag xmlns="" xmlns:ma14="http://schemas.microsoft.com/office/mac/drawingml/2011/main" xmlns:a14="http://schemas.microsoft.com/office/drawing/2010/main" xmlns:m="http://schemas.openxmlformats.org/officeDocument/2006/math" val="1"/>
+              <ma14:wrappingTextBoxFlag xmlns:m="http://schemas.openxmlformats.org/officeDocument/2006/math" xmlns:a14="http://schemas.microsoft.com/office/drawing/2010/main" xmlns:ma14="http://schemas.microsoft.com/office/mac/drawingml/2011/main" xmlns="" val="1"/>
             </a:ext>
           </a:extLst>
         </p:spPr>
@@ -3550,7 +3550,7 @@
           </a:ln>
           <a:extLst>
             <a:ext uri="{C572A759-6A51-4108-AA02-DFA0A04FC94B}">
-              <ma14:wrappingTextBoxFlag xmlns="" xmlns:ma14="http://schemas.microsoft.com/office/mac/drawingml/2011/main" xmlns:a14="http://schemas.microsoft.com/office/drawing/2010/main" xmlns:m="http://schemas.openxmlformats.org/officeDocument/2006/math" val="1"/>
+              <ma14:wrappingTextBoxFlag xmlns:m="http://schemas.openxmlformats.org/officeDocument/2006/math" xmlns:a14="http://schemas.microsoft.com/office/drawing/2010/main" xmlns:ma14="http://schemas.microsoft.com/office/mac/drawingml/2011/main" xmlns="" val="1"/>
             </a:ext>
           </a:extLst>
         </p:spPr>
@@ -3744,15 +3744,13 @@
             </a:r>
           </a:p>
           <a:p>
-            <a:pPr marL="285750" lvl="2" indent="-285750" algn="just">
+            <a:pPr lvl="2" indent="0" algn="just">
               <a:lnSpc>
                 <a:spcPct val="90000"/>
               </a:lnSpc>
               <a:spcBef>
                 <a:spcPts val="0"/>
               </a:spcBef>
-              <a:buFont typeface="Arial" panose="020B0604020202020204" pitchFamily="34" charset="0"/>
-              <a:buChar char="•"/>
               <a:defRPr>
                 <a:solidFill>
                   <a:srgbClr val="000000"/>
@@ -4138,7 +4136,7 @@
           </a:ln>
           <a:extLst>
             <a:ext uri="{C572A759-6A51-4108-AA02-DFA0A04FC94B}">
-              <ma14:wrappingTextBoxFlag xmlns="" xmlns:ma14="http://schemas.microsoft.com/office/mac/drawingml/2011/main" xmlns:a14="http://schemas.microsoft.com/office/drawing/2010/main" xmlns:m="http://schemas.openxmlformats.org/officeDocument/2006/math" val="1"/>
+              <ma14:wrappingTextBoxFlag xmlns:m="http://schemas.openxmlformats.org/officeDocument/2006/math" xmlns:a14="http://schemas.microsoft.com/office/drawing/2010/main" xmlns:ma14="http://schemas.microsoft.com/office/mac/drawingml/2011/main" xmlns="" val="1"/>
             </a:ext>
           </a:extLst>
         </p:spPr>
@@ -4241,7 +4239,7 @@
           </a:ln>
           <a:extLst>
             <a:ext uri="{C572A759-6A51-4108-AA02-DFA0A04FC94B}">
-              <ma14:wrappingTextBoxFlag xmlns="" xmlns:ma14="http://schemas.microsoft.com/office/mac/drawingml/2011/main" xmlns:a14="http://schemas.microsoft.com/office/drawing/2010/main" xmlns:m="http://schemas.openxmlformats.org/officeDocument/2006/math" val="1"/>
+              <ma14:wrappingTextBoxFlag xmlns:m="http://schemas.openxmlformats.org/officeDocument/2006/math" xmlns:a14="http://schemas.microsoft.com/office/drawing/2010/main" xmlns:ma14="http://schemas.microsoft.com/office/mac/drawingml/2011/main" xmlns="" val="1"/>
             </a:ext>
           </a:extLst>
         </p:spPr>
@@ -4290,7 +4288,7 @@
           </a:ln>
           <a:extLst>
             <a:ext uri="{C572A759-6A51-4108-AA02-DFA0A04FC94B}">
-              <ma14:wrappingTextBoxFlag xmlns="" xmlns:ma14="http://schemas.microsoft.com/office/mac/drawingml/2011/main" xmlns:a14="http://schemas.microsoft.com/office/drawing/2010/main" xmlns:m="http://schemas.openxmlformats.org/officeDocument/2006/math" val="1"/>
+              <ma14:wrappingTextBoxFlag xmlns:m="http://schemas.openxmlformats.org/officeDocument/2006/math" xmlns:a14="http://schemas.microsoft.com/office/drawing/2010/main" xmlns:ma14="http://schemas.microsoft.com/office/mac/drawingml/2011/main" xmlns="" val="1"/>
             </a:ext>
           </a:extLst>
         </p:spPr>
@@ -4593,7 +4591,7 @@
           </a:ln>
           <a:extLst>
             <a:ext uri="{C572A759-6A51-4108-AA02-DFA0A04FC94B}">
-              <ma14:wrappingTextBoxFlag xmlns="" xmlns:ma14="http://schemas.microsoft.com/office/mac/drawingml/2011/main" xmlns:a14="http://schemas.microsoft.com/office/drawing/2010/main" xmlns:m="http://schemas.openxmlformats.org/officeDocument/2006/math" val="1"/>
+              <ma14:wrappingTextBoxFlag xmlns:m="http://schemas.openxmlformats.org/officeDocument/2006/math" xmlns:a14="http://schemas.microsoft.com/office/drawing/2010/main" xmlns:ma14="http://schemas.microsoft.com/office/mac/drawingml/2011/main" xmlns="" val="1"/>
             </a:ext>
           </a:extLst>
         </p:spPr>
@@ -4649,7 +4647,7 @@
           </a:ln>
           <a:extLst>
             <a:ext uri="{C572A759-6A51-4108-AA02-DFA0A04FC94B}">
-              <ma14:wrappingTextBoxFlag xmlns="" xmlns:ma14="http://schemas.microsoft.com/office/mac/drawingml/2011/main" xmlns:a14="http://schemas.microsoft.com/office/drawing/2010/main" xmlns:m="http://schemas.openxmlformats.org/officeDocument/2006/math" val="1"/>
+              <ma14:wrappingTextBoxFlag xmlns:m="http://schemas.openxmlformats.org/officeDocument/2006/math" xmlns:a14="http://schemas.microsoft.com/office/drawing/2010/main" xmlns:ma14="http://schemas.microsoft.com/office/mac/drawingml/2011/main" xmlns="" val="1"/>
             </a:ext>
           </a:extLst>
         </p:spPr>
@@ -4713,7 +4711,7 @@
           </a:ln>
           <a:extLst>
             <a:ext uri="{C572A759-6A51-4108-AA02-DFA0A04FC94B}">
-              <ma14:wrappingTextBoxFlag xmlns="" xmlns:ma14="http://schemas.microsoft.com/office/mac/drawingml/2011/main" xmlns:a14="http://schemas.microsoft.com/office/drawing/2010/main" xmlns:m="http://schemas.openxmlformats.org/officeDocument/2006/math" val="1"/>
+              <ma14:wrappingTextBoxFlag xmlns:m="http://schemas.openxmlformats.org/officeDocument/2006/math" xmlns:a14="http://schemas.microsoft.com/office/drawing/2010/main" xmlns:ma14="http://schemas.microsoft.com/office/mac/drawingml/2011/main" xmlns="" val="1"/>
             </a:ext>
           </a:extLst>
         </p:spPr>
@@ -4881,7 +4879,7 @@
           </a:ln>
           <a:extLst>
             <a:ext uri="{C572A759-6A51-4108-AA02-DFA0A04FC94B}">
-              <ma14:wrappingTextBoxFlag xmlns="" xmlns:ma14="http://schemas.microsoft.com/office/mac/drawingml/2011/main" xmlns:a14="http://schemas.microsoft.com/office/drawing/2010/main" xmlns:m="http://schemas.openxmlformats.org/officeDocument/2006/math" val="1"/>
+              <ma14:wrappingTextBoxFlag xmlns:m="http://schemas.openxmlformats.org/officeDocument/2006/math" xmlns:a14="http://schemas.microsoft.com/office/drawing/2010/main" xmlns:ma14="http://schemas.microsoft.com/office/mac/drawingml/2011/main" xmlns="" val="1"/>
             </a:ext>
           </a:extLst>
         </p:spPr>
@@ -4984,7 +4982,7 @@
           </a:ln>
           <a:extLst>
             <a:ext uri="{C572A759-6A51-4108-AA02-DFA0A04FC94B}">
-              <ma14:wrappingTextBoxFlag xmlns="" xmlns:ma14="http://schemas.microsoft.com/office/mac/drawingml/2011/main" xmlns:a14="http://schemas.microsoft.com/office/drawing/2010/main" xmlns:m="http://schemas.openxmlformats.org/officeDocument/2006/math" val="1"/>
+              <ma14:wrappingTextBoxFlag xmlns:m="http://schemas.openxmlformats.org/officeDocument/2006/math" xmlns:a14="http://schemas.microsoft.com/office/drawing/2010/main" xmlns:ma14="http://schemas.microsoft.com/office/mac/drawingml/2011/main" xmlns="" val="1"/>
             </a:ext>
           </a:extLst>
         </p:spPr>
@@ -5075,7 +5073,7 @@
           </a:ln>
           <a:extLst>
             <a:ext uri="{C572A759-6A51-4108-AA02-DFA0A04FC94B}">
-              <ma14:wrappingTextBoxFlag xmlns="" xmlns:ma14="http://schemas.microsoft.com/office/mac/drawingml/2011/main" xmlns:a14="http://schemas.microsoft.com/office/drawing/2010/main" xmlns:m="http://schemas.openxmlformats.org/officeDocument/2006/math" val="1"/>
+              <ma14:wrappingTextBoxFlag xmlns:m="http://schemas.openxmlformats.org/officeDocument/2006/math" xmlns:a14="http://schemas.microsoft.com/office/drawing/2010/main" xmlns:ma14="http://schemas.microsoft.com/office/mac/drawingml/2011/main" xmlns="" val="1"/>
             </a:ext>
           </a:extLst>
         </p:spPr>
@@ -5199,7 +5197,7 @@
           </a:ln>
           <a:extLst>
             <a:ext uri="{C572A759-6A51-4108-AA02-DFA0A04FC94B}">
-              <ma14:wrappingTextBoxFlag xmlns="" xmlns:ma14="http://schemas.microsoft.com/office/mac/drawingml/2011/main" xmlns:a14="http://schemas.microsoft.com/office/drawing/2010/main" xmlns:m="http://schemas.openxmlformats.org/officeDocument/2006/math" val="1"/>
+              <ma14:wrappingTextBoxFlag xmlns:m="http://schemas.openxmlformats.org/officeDocument/2006/math" xmlns:a14="http://schemas.microsoft.com/office/drawing/2010/main" xmlns:ma14="http://schemas.microsoft.com/office/mac/drawingml/2011/main" xmlns="" val="1"/>
             </a:ext>
           </a:extLst>
         </p:spPr>
@@ -5262,7 +5260,7 @@
           </a:ln>
           <a:extLst>
             <a:ext uri="{C572A759-6A51-4108-AA02-DFA0A04FC94B}">
-              <ma14:wrappingTextBoxFlag xmlns="" xmlns:ma14="http://schemas.microsoft.com/office/mac/drawingml/2011/main" xmlns:a14="http://schemas.microsoft.com/office/drawing/2010/main" xmlns:m="http://schemas.openxmlformats.org/officeDocument/2006/math" val="1"/>
+              <ma14:wrappingTextBoxFlag xmlns:m="http://schemas.openxmlformats.org/officeDocument/2006/math" xmlns:a14="http://schemas.microsoft.com/office/drawing/2010/main" xmlns:ma14="http://schemas.microsoft.com/office/mac/drawingml/2011/main" xmlns="" val="1"/>
             </a:ext>
           </a:extLst>
         </p:spPr>
@@ -5335,7 +5333,7 @@
           </a:ln>
           <a:extLst>
             <a:ext uri="{C572A759-6A51-4108-AA02-DFA0A04FC94B}">
-              <ma14:wrappingTextBoxFlag xmlns="" xmlns:ma14="http://schemas.microsoft.com/office/mac/drawingml/2011/main" xmlns:a14="http://schemas.microsoft.com/office/drawing/2010/main" xmlns:m="http://schemas.openxmlformats.org/officeDocument/2006/math" val="1"/>
+              <ma14:wrappingTextBoxFlag xmlns:m="http://schemas.openxmlformats.org/officeDocument/2006/math" xmlns:a14="http://schemas.microsoft.com/office/drawing/2010/main" xmlns:ma14="http://schemas.microsoft.com/office/mac/drawingml/2011/main" xmlns="" val="1"/>
             </a:ext>
           </a:extLst>
         </p:spPr>
@@ -5451,7 +5449,7 @@
           </a:ln>
           <a:extLst>
             <a:ext uri="{C572A759-6A51-4108-AA02-DFA0A04FC94B}">
-              <ma14:wrappingTextBoxFlag xmlns="" xmlns:ma14="http://schemas.microsoft.com/office/mac/drawingml/2011/main" xmlns:a14="http://schemas.microsoft.com/office/drawing/2010/main" xmlns:m="http://schemas.openxmlformats.org/officeDocument/2006/math" val="1"/>
+              <ma14:wrappingTextBoxFlag xmlns:m="http://schemas.openxmlformats.org/officeDocument/2006/math" xmlns:a14="http://schemas.microsoft.com/office/drawing/2010/main" xmlns:ma14="http://schemas.microsoft.com/office/mac/drawingml/2011/main" xmlns="" val="1"/>
             </a:ext>
           </a:extLst>
         </p:spPr>
@@ -8027,20 +8025,20 @@
 </file>
 
 <file path=customXml/item1.xml><?xml version="1.0" encoding="utf-8"?>
-<p:properties xmlns:p="http://schemas.microsoft.com/office/2006/metadata/properties" xmlns:xsi="http://www.w3.org/2001/XMLSchema-instance" xmlns:pc="http://schemas.microsoft.com/office/infopath/2007/PartnerControls">
-  <documentManagement>
-    <_activity xmlns="f3097118-3034-494f-a38b-8484877da2e9" xsi:nil="true"/>
-  </documentManagement>
-</p:properties>
-</file>
-
-<file path=customXml/item2.xml><?xml version="1.0" encoding="utf-8"?>
 <?mso-contentType ?>
 <FormTemplates xmlns="http://schemas.microsoft.com/sharepoint/v3/contenttype/forms">
   <Display>DocumentLibraryForm</Display>
   <Edit>DocumentLibraryForm</Edit>
   <New>DocumentLibraryForm</New>
 </FormTemplates>
+</file>
+
+<file path=customXml/item2.xml><?xml version="1.0" encoding="utf-8"?>
+<p:properties xmlns:p="http://schemas.microsoft.com/office/2006/metadata/properties" xmlns:xsi="http://www.w3.org/2001/XMLSchema-instance" xmlns:pc="http://schemas.microsoft.com/office/infopath/2007/PartnerControls">
+  <documentManagement>
+    <_activity xmlns="f3097118-3034-494f-a38b-8484877da2e9" xsi:nil="true"/>
+  </documentManagement>
+</p:properties>
 </file>
 
 <file path=customXml/item3.xml><?xml version="1.0" encoding="utf-8"?>
@@ -8277,6 +8275,14 @@
 </file>
 
 <file path=customXml/itemProps1.xml><?xml version="1.0" encoding="utf-8"?>
+<ds:datastoreItem xmlns:ds="http://schemas.openxmlformats.org/officeDocument/2006/customXml" ds:itemID="{14F97730-03BA-41E3-B9B5-7BE4E10967BA}">
+  <ds:schemaRefs>
+    <ds:schemaRef ds:uri="http://schemas.microsoft.com/sharepoint/v3/contenttype/forms"/>
+  </ds:schemaRefs>
+</ds:datastoreItem>
+</file>
+
+<file path=customXml/itemProps2.xml><?xml version="1.0" encoding="utf-8"?>
 <ds:datastoreItem xmlns:ds="http://schemas.openxmlformats.org/officeDocument/2006/customXml" ds:itemID="{0F6425FC-4FAC-4DFC-9B8A-86E35E002E1A}">
   <ds:schemaRefs>
     <ds:schemaRef ds:uri="e709b71b-c291-4adc-b32a-87e8e5e70d2b"/>
@@ -8289,14 +8295,6 @@
     <ds:schemaRef ds:uri="http://schemas.openxmlformats.org/package/2006/metadata/core-properties"/>
     <ds:schemaRef ds:uri="f3097118-3034-494f-a38b-8484877da2e9"/>
     <ds:schemaRef ds:uri="http://purl.org/dc/dcmitype/"/>
-  </ds:schemaRefs>
-</ds:datastoreItem>
-</file>
-
-<file path=customXml/itemProps2.xml><?xml version="1.0" encoding="utf-8"?>
-<ds:datastoreItem xmlns:ds="http://schemas.openxmlformats.org/officeDocument/2006/customXml" ds:itemID="{14F97730-03BA-41E3-B9B5-7BE4E10967BA}">
-  <ds:schemaRefs>
-    <ds:schemaRef ds:uri="http://schemas.microsoft.com/sharepoint/v3/contenttype/forms"/>
   </ds:schemaRefs>
 </ds:datastoreItem>
 </file>
